--- a/Sleeptionary 3주차.pptx
+++ b/Sleeptionary 3주차.pptx
@@ -3255,7 +3255,23 @@
           <a:p>
             <a:r>
               <a:rPr lang="ko-KR" altLang="en-US" sz="2400" dirty="0" smtClean="0"/>
-              <a:t>주기적으로 계속 데이터를 읽어 저장하는 테이블들과 이를 이용해 하루의 수면 데이터를 한 </a:t>
+              <a:t>주기적으로 계속 데이터를 읽어 저장하는 </a:t>
+            </a:r>
+            <a:r>
+              <a:rPr lang="ko-KR" altLang="en-US" sz="2400" dirty="0" smtClean="0"/>
+              <a:t>테이블들과</a:t>
+            </a:r>
+            <a:r>
+              <a:rPr lang="en-US" altLang="ko-KR" sz="2400" dirty="0"/>
+              <a:t> </a:t>
+            </a:r>
+            <a:r>
+              <a:rPr lang="ko-KR" altLang="en-US" sz="2400" smtClean="0"/>
+              <a:t>이를 </a:t>
+            </a:r>
+            <a:r>
+              <a:rPr lang="ko-KR" altLang="en-US" sz="2400" dirty="0" smtClean="0"/>
+              <a:t>이용해 하루의 수면 데이터를 한 </a:t>
             </a:r>
             <a:r>
               <a:rPr lang="en-US" altLang="ko-KR" sz="2400" dirty="0" smtClean="0"/>
